--- a/presentation.pptx
+++ b/presentation.pptx
@@ -23734,7 +23734,7 @@
             </a:pPr>
             <a:r>
               <a:rPr lang="de-AT"/>
-              <a:t>GitOps using Flux CD</a:t>
+              <a:t>GitOps using Flux</a:t>
             </a:r>
             <a:endParaRPr>
               <a:solidFill>
@@ -25332,7 +25332,7 @@
             </a:pPr>
             <a:r>
               <a:rPr lang="de-AT" sz="2000"/>
-              <a:t>Flux CD</a:t>
+              <a:t>Flux</a:t>
             </a:r>
             <a:endParaRPr sz="2000"/>
           </a:p>
